--- a/J.Williams Capstone Project.pptx
+++ b/J.Williams Capstone Project.pptx
@@ -142,9 +142,70 @@
 <file path=ppt/revisionInfo.xml><?xml version="1.0" encoding="utf-8"?>
 <p1510:revInfo xmlns:a="http://schemas.openxmlformats.org/drawingml/2006/main" xmlns:r="http://schemas.openxmlformats.org/officeDocument/2006/relationships" xmlns:p1510="http://schemas.microsoft.com/office/powerpoint/2015/10/main">
   <p1510:revLst>
-    <p1510:client id="{49C57D23-421A-4CBB-AEDD-BAF42DEE48F4}" v="1810" dt="2025-10-23T22:37:21.631"/>
+    <p1510:client id="{4248A4D0-3844-4359-AA99-BF11C38614F6}" v="20" dt="2025-10-25T13:28:04.607"/>
   </p1510:revLst>
 </p1510:revInfo>
+</file>
+
+<file path=ppt/changesInfos/changesInfo1.xml><?xml version="1.0" encoding="utf-8"?>
+<pc:chgInfo xmlns:a="http://schemas.openxmlformats.org/drawingml/2006/main" xmlns:r="http://schemas.openxmlformats.org/officeDocument/2006/relationships" xmlns:ac="http://schemas.microsoft.com/office/drawing/2013/main/command" xmlns:pc="http://schemas.microsoft.com/office/powerpoint/2013/main/command">
+  <pc:docChgLst>
+    <pc:chgData name="Jennifer Williams" userId="ff0689c5a779a839" providerId="LiveId" clId="{6920AD70-03AD-4CF9-9334-707DA65C55A9}"/>
+    <pc:docChg chg="undo custSel modSld">
+      <pc:chgData name="Jennifer Williams" userId="ff0689c5a779a839" providerId="LiveId" clId="{6920AD70-03AD-4CF9-9334-707DA65C55A9}" dt="2025-10-25T13:28:07.034" v="11" actId="1076"/>
+      <pc:docMkLst>
+        <pc:docMk/>
+      </pc:docMkLst>
+      <pc:sldChg chg="addSp delSp modSp mod">
+        <pc:chgData name="Jennifer Williams" userId="ff0689c5a779a839" providerId="LiveId" clId="{6920AD70-03AD-4CF9-9334-707DA65C55A9}" dt="2025-10-25T13:28:07.034" v="11" actId="1076"/>
+        <pc:sldMkLst>
+          <pc:docMk/>
+          <pc:sldMk cId="757407276" sldId="359"/>
+        </pc:sldMkLst>
+        <pc:spChg chg="add del">
+          <ac:chgData name="Jennifer Williams" userId="ff0689c5a779a839" providerId="LiveId" clId="{6920AD70-03AD-4CF9-9334-707DA65C55A9}" dt="2025-10-25T13:24:11.609" v="2" actId="478"/>
+          <ac:spMkLst>
+            <pc:docMk/>
+            <pc:sldMk cId="757407276" sldId="359"/>
+            <ac:spMk id="4" creationId="{6C175D9F-C653-357E-6EF4-92DAB4CE46B1}"/>
+          </ac:spMkLst>
+        </pc:spChg>
+        <pc:graphicFrameChg chg="del">
+          <ac:chgData name="Jennifer Williams" userId="ff0689c5a779a839" providerId="LiveId" clId="{6920AD70-03AD-4CF9-9334-707DA65C55A9}" dt="2025-10-25T13:24:03.974" v="0" actId="478"/>
+          <ac:graphicFrameMkLst>
+            <pc:docMk/>
+            <pc:sldMk cId="757407276" sldId="359"/>
+            <ac:graphicFrameMk id="3" creationId="{7C99AEBC-EC4F-1DD2-5B0A-2A6F2AF049BE}"/>
+          </ac:graphicFrameMkLst>
+        </pc:graphicFrameChg>
+        <pc:graphicFrameChg chg="add del">
+          <ac:chgData name="Jennifer Williams" userId="ff0689c5a779a839" providerId="LiveId" clId="{6920AD70-03AD-4CF9-9334-707DA65C55A9}" dt="2025-10-25T13:24:36.028" v="4" actId="478"/>
+          <ac:graphicFrameMkLst>
+            <pc:docMk/>
+            <pc:sldMk cId="757407276" sldId="359"/>
+            <ac:graphicFrameMk id="5" creationId="{57F2A83F-F497-B983-8D8E-D181F359C04C}"/>
+          </ac:graphicFrameMkLst>
+        </pc:graphicFrameChg>
+        <pc:graphicFrameChg chg="add del">
+          <ac:chgData name="Jennifer Williams" userId="ff0689c5a779a839" providerId="LiveId" clId="{6920AD70-03AD-4CF9-9334-707DA65C55A9}" dt="2025-10-25T13:25:32.080" v="6"/>
+          <ac:graphicFrameMkLst>
+            <pc:docMk/>
+            <pc:sldMk cId="757407276" sldId="359"/>
+            <ac:graphicFrameMk id="6" creationId="{399B0798-8F43-FF7E-C1E1-5DDEA3207CDA}"/>
+          </ac:graphicFrameMkLst>
+        </pc:graphicFrameChg>
+        <pc:graphicFrameChg chg="add mod">
+          <ac:chgData name="Jennifer Williams" userId="ff0689c5a779a839" providerId="LiveId" clId="{6920AD70-03AD-4CF9-9334-707DA65C55A9}" dt="2025-10-25T13:28:07.034" v="11" actId="1076"/>
+          <ac:graphicFrameMkLst>
+            <pc:docMk/>
+            <pc:sldMk cId="757407276" sldId="359"/>
+            <ac:graphicFrameMk id="7" creationId="{17CEBCD0-0D50-BA30-20A6-B7A5FB037CE3}"/>
+          </ac:graphicFrameMkLst>
+        </pc:graphicFrameChg>
+      </pc:sldChg>
+    </pc:docChg>
+  </pc:docChgLst>
+</pc:chgInfo>
 </file>
 
 <file path=ppt/notesMasters/notesMaster1.xml><?xml version="1.0" encoding="utf-8"?>
@@ -229,7 +290,7 @@
           <a:p>
             <a:fld id="{4AAAF045-FEF6-43EA-9CDC-C84FC3F85E9C}" type="datetimeFigureOut">
               <a:rPr lang="en-US" smtClean="0"/>
-              <a:t>10/23/2025</a:t>
+              <a:t>10/25/2025</a:t>
             </a:fld>
             <a:endParaRPr lang="en-US"/>
           </a:p>
@@ -1271,6 +1332,90 @@
           <a:bodyPr/>
           <a:lstStyle/>
           <a:p>
+            <a:endParaRPr lang="en-US" dirty="0"/>
+          </a:p>
+        </p:txBody>
+      </p:sp>
+      <p:sp>
+        <p:nvSpPr>
+          <p:cNvPr id="4" name="Slide Number Placeholder 3"/>
+          <p:cNvSpPr>
+            <a:spLocks noGrp="1"/>
+          </p:cNvSpPr>
+          <p:nvPr>
+            <p:ph type="sldNum" sz="quarter" idx="5"/>
+          </p:nvPr>
+        </p:nvSpPr>
+        <p:spPr/>
+        <p:txBody>
+          <a:bodyPr/>
+          <a:lstStyle/>
+          <a:p>
+            <a:fld id="{652F1279-6CE4-4169-83D3-4483097B6907}" type="slidenum">
+              <a:rPr lang="en-US" smtClean="0"/>
+              <a:t>7</a:t>
+            </a:fld>
+            <a:endParaRPr lang="en-US"/>
+          </a:p>
+        </p:txBody>
+      </p:sp>
+    </p:spTree>
+    <p:extLst>
+      <p:ext uri="{BB962C8B-B14F-4D97-AF65-F5344CB8AC3E}">
+        <p14:creationId xmlns:p14="http://schemas.microsoft.com/office/powerpoint/2010/main" val="1220794248"/>
+      </p:ext>
+    </p:extLst>
+  </p:cSld>
+  <p:clrMapOvr>
+    <a:masterClrMapping/>
+  </p:clrMapOvr>
+</p:notes>
+</file>
+
+<file path=ppt/notesSlides/notesSlide7.xml><?xml version="1.0" encoding="utf-8"?>
+<p:notes xmlns:a="http://schemas.openxmlformats.org/drawingml/2006/main" xmlns:r="http://schemas.openxmlformats.org/officeDocument/2006/relationships" xmlns:p="http://schemas.openxmlformats.org/presentationml/2006/main">
+  <p:cSld>
+    <p:spTree>
+      <p:nvGrpSpPr>
+        <p:cNvPr id="1" name=""/>
+        <p:cNvGrpSpPr/>
+        <p:nvPr/>
+      </p:nvGrpSpPr>
+      <p:grpSpPr>
+        <a:xfrm>
+          <a:off x="0" y="0"/>
+          <a:ext cx="0" cy="0"/>
+          <a:chOff x="0" y="0"/>
+          <a:chExt cx="0" cy="0"/>
+        </a:xfrm>
+      </p:grpSpPr>
+      <p:sp>
+        <p:nvSpPr>
+          <p:cNvPr id="2" name="Slide Image Placeholder 1"/>
+          <p:cNvSpPr>
+            <a:spLocks noGrp="1" noRot="1" noChangeAspect="1"/>
+          </p:cNvSpPr>
+          <p:nvPr>
+            <p:ph type="sldImg"/>
+          </p:nvPr>
+        </p:nvSpPr>
+        <p:spPr/>
+      </p:sp>
+      <p:sp>
+        <p:nvSpPr>
+          <p:cNvPr id="3" name="Notes Placeholder 2"/>
+          <p:cNvSpPr>
+            <a:spLocks noGrp="1"/>
+          </p:cNvSpPr>
+          <p:nvPr>
+            <p:ph type="body" idx="1"/>
+          </p:nvPr>
+        </p:nvSpPr>
+        <p:spPr/>
+        <p:txBody>
+          <a:bodyPr/>
+          <a:lstStyle/>
+          <a:p>
             <a:r>
               <a:rPr lang="en-US" sz="1200" b="0" i="0" kern="1200" dirty="0">
                 <a:solidFill>
@@ -1335,7 +1480,7 @@
 </p:notes>
 </file>
 
-<file path=ppt/notesSlides/notesSlide7.xml><?xml version="1.0" encoding="utf-8"?>
+<file path=ppt/notesSlides/notesSlide8.xml><?xml version="1.0" encoding="utf-8"?>
 <p:notes xmlns:a="http://schemas.openxmlformats.org/drawingml/2006/main" xmlns:r="http://schemas.openxmlformats.org/officeDocument/2006/relationships" xmlns:p="http://schemas.openxmlformats.org/presentationml/2006/main">
   <p:cSld>
     <p:spTree>
@@ -26304,8 +26449,8 @@
           <a:chExt cx="0" cy="0"/>
         </a:xfrm>
       </p:grpSpPr>
-      <mc:AlternateContent xmlns:mc="http://schemas.openxmlformats.org/markup-compatibility/2006" xmlns:we="http://schemas.microsoft.com/office/webextensions/webextension/2010/11" xmlns:pca="http://schemas.microsoft.com/office/powerpoint/2013/contentapp">
-        <mc:Choice Requires="we pca">
+      <mc:AlternateContent xmlns:mc="http://schemas.openxmlformats.org/markup-compatibility/2006">
+        <mc:Choice xmlns:we="http://schemas.microsoft.com/office/webextensions/webextension/2010/11" xmlns:pca="http://schemas.microsoft.com/office/powerpoint/2013/contentapp" Requires="we pca">
           <p:graphicFrame>
             <p:nvGraphicFramePr>
               <p:cNvPr id="12" name="Add-in 11" title="Microsoft Power BI">
@@ -26337,7 +26482,7 @@
             </a:graphic>
           </p:graphicFrame>
         </mc:Choice>
-        <mc:Fallback xmlns="">
+        <mc:Fallback>
           <p:pic>
             <p:nvPicPr>
               <p:cNvPr id="12" name="Add-in 11" title="Microsoft Power BI">
@@ -28318,8 +28463,8 @@
           <a:chExt cx="0" cy="0"/>
         </a:xfrm>
       </p:grpSpPr>
-      <mc:AlternateContent xmlns:mc="http://schemas.openxmlformats.org/markup-compatibility/2006" xmlns:we="http://schemas.microsoft.com/office/webextensions/webextension/2010/11" xmlns:pca="http://schemas.microsoft.com/office/powerpoint/2013/contentapp">
-        <mc:Choice Requires="we pca">
+      <mc:AlternateContent xmlns:mc="http://schemas.openxmlformats.org/markup-compatibility/2006">
+        <mc:Choice xmlns:we="http://schemas.microsoft.com/office/webextensions/webextension/2010/11" xmlns:pca="http://schemas.microsoft.com/office/powerpoint/2013/contentapp" Requires="we pca">
           <p:graphicFrame>
             <p:nvGraphicFramePr>
               <p:cNvPr id="5" name="Add-in 4" title="Microsoft Power BI">
@@ -28351,7 +28496,7 @@
             </a:graphic>
           </p:graphicFrame>
         </mc:Choice>
-        <mc:Fallback xmlns="">
+        <mc:Fallback>
           <p:pic>
             <p:nvPicPr>
               <p:cNvPr id="5" name="Add-in 4" title="Microsoft Power BI">
@@ -28414,8 +28559,8 @@
           <a:chExt cx="0" cy="0"/>
         </a:xfrm>
       </p:grpSpPr>
-      <mc:AlternateContent xmlns:mc="http://schemas.openxmlformats.org/markup-compatibility/2006" xmlns:we="http://schemas.microsoft.com/office/webextensions/webextension/2010/11" xmlns:pca="http://schemas.microsoft.com/office/powerpoint/2013/contentapp">
-        <mc:Choice Requires="we pca">
+      <mc:AlternateContent xmlns:mc="http://schemas.openxmlformats.org/markup-compatibility/2006">
+        <mc:Choice xmlns:we="http://schemas.microsoft.com/office/webextensions/webextension/2010/11" xmlns:pca="http://schemas.microsoft.com/office/powerpoint/2013/contentapp" Requires="we pca">
           <p:graphicFrame>
             <p:nvGraphicFramePr>
               <p:cNvPr id="5" name="Add-in 4" title="Microsoft Power BI">
@@ -28447,7 +28592,7 @@
             </a:graphic>
           </p:graphicFrame>
         </mc:Choice>
-        <mc:Fallback xmlns="">
+        <mc:Fallback>
           <p:pic>
             <p:nvPicPr>
               <p:cNvPr id="5" name="Add-in 4" title="Microsoft Power BI">
@@ -28516,14 +28661,14 @@
           <a:chExt cx="0" cy="0"/>
         </a:xfrm>
       </p:grpSpPr>
-      <mc:AlternateContent xmlns:mc="http://schemas.openxmlformats.org/markup-compatibility/2006" xmlns:we="http://schemas.microsoft.com/office/webextensions/webextension/2010/11" xmlns:pca="http://schemas.microsoft.com/office/powerpoint/2013/contentapp">
-        <mc:Choice Requires="we pca">
+      <mc:AlternateContent xmlns:mc="http://schemas.openxmlformats.org/markup-compatibility/2006">
+        <mc:Choice xmlns:we="http://schemas.microsoft.com/office/webextensions/webextension/2010/11" xmlns:pca="http://schemas.microsoft.com/office/powerpoint/2013/contentapp" Requires="we pca">
           <p:graphicFrame>
             <p:nvGraphicFramePr>
-              <p:cNvPr id="3" name="Add-in 2" title="Microsoft Power BI">
+              <p:cNvPr id="7" name="Add-in 6" title="Microsoft Power BI">
                 <a:extLst>
                   <a:ext uri="{FF2B5EF4-FFF2-40B4-BE49-F238E27FC236}">
-                    <a16:creationId xmlns:a16="http://schemas.microsoft.com/office/drawing/2014/main" id="{7C99AEBC-EC4F-1DD2-5B0A-2A6F2AF049BE}"/>
+                    <a16:creationId xmlns:a16="http://schemas.microsoft.com/office/drawing/2014/main" id="{17CEBCD0-0D50-BA30-20A6-B7A5FB037CE3}"/>
                   </a:ext>
                 </a:extLst>
               </p:cNvPr>
@@ -28533,29 +28678,29 @@
               <p:nvPr>
                 <p:extLst>
                   <p:ext uri="{D42A27DB-BD31-4B8C-83A1-F6EECF244321}">
-                    <p14:modId xmlns:p14="http://schemas.microsoft.com/office/powerpoint/2010/main" val="1920268827"/>
+                    <p14:modId xmlns:p14="http://schemas.microsoft.com/office/powerpoint/2010/main" val="3355240344"/>
                   </p:ext>
                 </p:extLst>
               </p:nvPr>
             </p:nvGraphicFramePr>
             <p:xfrm>
-              <a:off x="153563" y="160544"/>
-              <a:ext cx="11887200" cy="6589264"/>
+              <a:off x="148910" y="183229"/>
+              <a:ext cx="11894180" cy="6491542"/>
             </p:xfrm>
             <a:graphic>
               <a:graphicData uri="http://schemas.microsoft.com/office/webextensions/webextension/2010/11">
-                <we:webextensionref xmlns:we="http://schemas.microsoft.com/office/webextensions/webextension/2010/11" xmlns:r="http://schemas.openxmlformats.org/officeDocument/2006/relationships" r:id="rId2"/>
+                <we:webextensionref xmlns:we="http://schemas.microsoft.com/office/webextensions/webextension/2010/11" xmlns:r="http://schemas.openxmlformats.org/officeDocument/2006/relationships" r:id="rId3"/>
               </a:graphicData>
             </a:graphic>
           </p:graphicFrame>
         </mc:Choice>
-        <mc:Fallback xmlns="">
+        <mc:Fallback>
           <p:pic>
             <p:nvPicPr>
-              <p:cNvPr id="3" name="Add-in 2" title="Microsoft Power BI">
+              <p:cNvPr id="7" name="Add-in 6" title="Microsoft Power BI">
                 <a:extLst>
                   <a:ext uri="{FF2B5EF4-FFF2-40B4-BE49-F238E27FC236}">
-                    <a16:creationId xmlns:a16="http://schemas.microsoft.com/office/drawing/2014/main" id="{7C99AEBC-EC4F-1DD2-5B0A-2A6F2AF049BE}"/>
+                    <a16:creationId xmlns:a16="http://schemas.microsoft.com/office/drawing/2014/main" id="{17CEBCD0-0D50-BA30-20A6-B7A5FB037CE3}"/>
                   </a:ext>
                 </a:extLst>
               </p:cNvPr>
@@ -28565,15 +28710,15 @@
               <p:nvPr/>
             </p:nvPicPr>
             <p:blipFill>
-              <a:blip r:embed="rId3"/>
+              <a:blip r:embed="rId4"/>
               <a:stretch>
                 <a:fillRect/>
               </a:stretch>
             </p:blipFill>
             <p:spPr>
               <a:xfrm>
-                <a:off x="153563" y="160544"/>
-                <a:ext cx="11887200" cy="6589264"/>
+                <a:off x="148910" y="183229"/>
+                <a:ext cx="11894180" cy="6491542"/>
               </a:xfrm>
               <a:prstGeom prst="rect">
                 <a:avLst/>
@@ -29910,10 +30055,9 @@
     <we:property name="reportName" value="&quot;Top 5 States and Patterns&quot;"/>
     <we:property name="reportState" value="&quot;CONNECTED&quot;"/>
     <we:property name="reportUrl" value="&quot;/links/lJcuGUkcrg?ctid=101da587-1843-4f52-8b8a-17b069c66d33&amp;pbi_source=linkShare&quot;"/>
-    <we:property name="pageName" value=""/>
   </we:properties>
   <we:bindings/>
-  <we:snapshot xmlns:r="http://schemas.openxmlformats.org/officeDocument/2006/relationships" r:embed="rId1"/>
+  <we:snapshot xmlns:r="http://schemas.openxmlformats.org/officeDocument/2006/relationships"/>
 </we:webextension>
 </file>
 
@@ -29942,15 +30086,14 @@
     <we:property name="reportName" value="&quot;Top 5 Counties&quot;"/>
     <we:property name="reportState" value="&quot;CONNECTED&quot;"/>
     <we:property name="reportUrl" value="&quot;/links/2PxDX_Ck0_?ctid=101da587-1843-4f52-8b8a-17b069c66d33&amp;pbi_source=linkShare&quot;"/>
-    <we:property name="pageName" value=""/>
   </we:properties>
   <we:bindings/>
-  <we:snapshot xmlns:r="http://schemas.openxmlformats.org/officeDocument/2006/relationships" r:embed="rId1"/>
+  <we:snapshot xmlns:r="http://schemas.openxmlformats.org/officeDocument/2006/relationships"/>
 </we:webextension>
 </file>
 
 <file path=ppt/webextensions/webextension3.xml><?xml version="1.0" encoding="utf-8"?>
-<we:webextension xmlns:we="http://schemas.microsoft.com/office/webextensions/webextension/2010/11" id="{F20AD663-1E0B-4968-A3C9-7AD47ABF5AE0}">
+<we:webextension xmlns:we="http://schemas.microsoft.com/office/webextensions/webextension/2010/11" id="{F2F9B1B4-C62A-484B-A3D2-7527D8014BC5}">
   <we:reference id="wa200003233" version="2.0.0.3" store="en-US" storeType="OMEX"/>
   <we:alternateReferences>
     <we:reference id="WA200003233" version="2.0.0.3" store="WA200003233" storeType="OMEX"/>
@@ -29958,8 +30101,8 @@
   <we:properties>
     <we:property name="artifactViewState" value="&quot;live&quot;"/>
     <we:property name="backgroundColor" value="&quot;#F1F2F7&quot;"/>
-    <we:property name="bookmark" value="&quot;H4sIAAAAAAAAA+1XUW/aMBD+K8jPaEqAJKRvLeukSWvXFsQeJoSc+AJuTZw6TkeG+O87O4EW1Fa0tNJawVNyd7n77vP5s1kQxvNM0PKczoAckRMpb2ZU3TRc0iRpZUvCGIJ24vos8lrQYUBbbfTKTHOZ5uRoQTRVE9BDnhdUmERo/D1qEirEBZ2Yt4SKHJokA5XLlAr+F6pgdGlVwLJJYJ4JqahJ2ddUg0l7h+H4jhDcL66HJWms+R30IdaVOWp14jZE1PED6niez0IHMCzhQuOnJkVUns4zhXAWq24cGnadxHMi1w/dmDmB043xG11mxtvD0hOpeEwFsaAU5BWGBelJUczs0+mGvS8LFcMVJNaVaq5LzHTpjs9kqqeiHA8UpCwnS2zzQkkkwQZYrzVO5Z+eAqzMyJG7HKElr1qsWnisScOOZbCHWShP63bDsOu7ocM6HvO7nYh2QuoZ++OM1D0PZHa+Zs2EDFe8t5rkm5IzG1wPSF5EtwWoEj/YYmHlwOfL1cNzmW5NijVb3rhf5BmPuSzy8bFZZ645jk6TDCxKZ4kD1QeBxNgkOy1G9WJrbZF/X6xRFysb9dqXBENrjAkHwYgp/VMxUCelrf2Vq9UItrZpOAOaFwpeDWwgNRWN/vGVmRdTGFeHHHlLE1Yx0Vo29+Hw1xQMPEthyriu4X3f4jJ/f5ZtdzQS8HTG9bQtzW+03HNLPkXQy2BvbljHLMfbq8ceUO1iPwfzmN3RNEbrNsbdhvfFIDdmehuWlTueTkR9JNxLWzW0JKKqN6VKG/0vtKw0YPggoj5cZHSNDqNxmFG+6Xbdr2Mz59XJhRHXD5R9PVM7b7W3HuWR1RU3jBK/nfhh4MSOF7WhFUeHU2NHPat22+HEeL8To9azj3RafDIJ1gpgRjOyIbImT8ACj4HntZ2O06V+0Am8+KAch/vmf6Qen/m++bFURODf1NVN7nBZe+1lDe9nCWuHndiJYtYNA7/tdU215wUc5jqS820BtwnvLWQGamLplYXOMxrDBU2rvZtVKA1odOOw0ZSZZbfPVsR/cFTzqvSQisKqmbmYr7YS/v4BnnGCbm0SAAA=&quot;"/>
-    <we:property name="creatorSessionId" value="&quot;e6629faa-d7ef-481c-bb46-59da5ff720c6&quot;"/>
+    <we:property name="bookmark" value="&quot;H4sIAAAAAAAAA+1XbU/bMBD+K5U/V1PSvDV8g45JkwaDteo+TBVy4ksxuHFwHNas6n/f2Ul56QAVCtJA7afk7nL33OPzY3dBGC8LQetjOgOyRw6kvJxRddlxSZfkjc33WcYgSxLfj/up53kQMfTKQnOZl2RvQTRVU9BjXlZUmERo/DXpEirECZ2at4yKErqkAFXKnAr+B5pgdGlVwbJLYF4IqahJOdRUg0l7jeH4jhDcT26AJWmq+TUMIdWNOen5qQcJdcKIOkEQstgBDMu40PipSZHUh/NCIZzFqhuHxn0nC5zEDWM3ZU7k9FP8RteF8Q6w9FQqnlJBLCgFZYNhQQZSVDP7dHjPPpSVSuEHZNaVa65rzHTqnh3JXJ+L+mykIGclWWKbJ0oiCTbAeq3xXP4eKMDKjOy5ywlayqbFpoWHmjTsWAYHmIXyvG03jvuhGzvMD1jY9xPqxzQw9ocZaXseyeL4hjUTMl7x3uuSL0rObHA7IGWVXFWgavxgjYWVA59PVw9PZboyKW7YCs6GVVnwlMuqPNs368w1x9HpkpFF6SxxoIYgkBibZKPFaF5srTXyb4t12mJ1p137mmBoizHjIBgxpb8rBuqgtrU/c7Uawd46DUdAy0rBi4GNpKaiM9z/YebFFMbVIXvB0oQ1TPSW3W04/HkOBp6lMGdct/C+rnFZvj3LtjuaCHg84820Lc1vstxySz5G0PNg39+wjlmO11ePLaDaxX4K5j67pnkK7B+Mmw3vs0Hem+l1WFbueD4V7ZFwK23N0JKEqsE5Vdrof6VlowHjOxHt4SKTC3QYjcOM8lW363YdmzlvTi6MuLij7DcztfFWe+1RnlhdceMkC70sjCMndYLEg16a7E6NDfWs2W27E+PtToxWz97TafHBJFgrgBktyD2RNXkiFgUMgsBzfKdPw8iPgnSnHLv75n+kHh/5vvm+VETg39TVTW53WXvpZQ3vZxnzYj91kpT14yj0gr6p9rSAw1wncr4u4DbhrYXMQE0tvbLSZUFTOKF5s3eLBqUBjW4cNpozs+z22Yr4N45q3pQeU1FZNTMX89VWwt9ffSqp720SAAA=&quot;"/>
+    <we:property name="creatorSessionId" value="&quot;ba949f14-8a1e-461e-b3f4-da0a498c0faf&quot;"/>
     <we:property name="creatorTenantId" value="&quot;101da587-1843-4f52-8b8a-17b069c66d33&quot;"/>
     <we:property name="creatorUserId" value="&quot;1003200493593742&quot;"/>
     <we:property name="datasetId" value="&quot;960dc9b6-ca9b-4985-8bc4-b4b73a2feb78&quot;"/>
@@ -29969,8 +30112,8 @@
     <we:property name="isFooterCollapsed" value="true"/>
     <we:property name="isVisualContainerHeaderHidden" value="false"/>
     <we:property name="pageDisplayName" value="&quot;Activity Analysis&quot;"/>
-    <we:property name="pptInsertionSessionID" value="&quot;5D5FCC20-72D2-4F4B-81B2-1D754B2336F1&quot;"/>
-    <we:property name="reportEmbeddedTime" value="&quot;2025-10-23T21:56:32.229Z&quot;"/>
+    <we:property name="pptInsertionSessionID" value="&quot;2CFB6A73-1297-4729-851D-DF243FB40DA6&quot;"/>
+    <we:property name="reportEmbeddedTime" value="&quot;2025-10-25T13:27:45.926Z&quot;"/>
     <we:property name="reportName" value="&quot;Analysis Dashboard&quot;"/>
     <we:property name="reportState" value="&quot;CONNECTED&quot;"/>
     <we:property name="reportUrl" value="&quot;/links/VF-xsFFdOb?ctid=101da587-1843-4f52-8b8a-17b069c66d33&amp;pbi_source=linkShare&quot;"/>
